--- a/Design.pptx
+++ b/Design.pptx
@@ -105,6 +105,11 @@
       </a:defRPr>
     </a:lvl9pPr>
   </p:defaultTextStyle>
+  <p:extLst>
+    <p:ext uri="{EFAFB233-063F-42B5-8137-9DF3F51BA10A}">
+      <p15:sldGuideLst xmlns:p15="http://schemas.microsoft.com/office/powerpoint/2012/main"/>
+    </p:ext>
+  </p:extLst>
 </p:presentation>
 </file>
 
@@ -257,7 +262,7 @@
           <a:p>
             <a:fld id="{A1F6E844-9F4F-4C61-95AE-07DCC711DA95}" type="datetimeFigureOut">
               <a:rPr lang="en-IN" smtClean="0"/>
-              <a:t>23-06-2025</a:t>
+              <a:t>27-06-2025</a:t>
             </a:fld>
             <a:endParaRPr lang="en-IN"/>
           </a:p>
@@ -457,7 +462,7 @@
           <a:p>
             <a:fld id="{A1F6E844-9F4F-4C61-95AE-07DCC711DA95}" type="datetimeFigureOut">
               <a:rPr lang="en-IN" smtClean="0"/>
-              <a:t>23-06-2025</a:t>
+              <a:t>27-06-2025</a:t>
             </a:fld>
             <a:endParaRPr lang="en-IN"/>
           </a:p>
@@ -667,7 +672,7 @@
           <a:p>
             <a:fld id="{A1F6E844-9F4F-4C61-95AE-07DCC711DA95}" type="datetimeFigureOut">
               <a:rPr lang="en-IN" smtClean="0"/>
-              <a:t>23-06-2025</a:t>
+              <a:t>27-06-2025</a:t>
             </a:fld>
             <a:endParaRPr lang="en-IN"/>
           </a:p>
@@ -867,7 +872,7 @@
           <a:p>
             <a:fld id="{A1F6E844-9F4F-4C61-95AE-07DCC711DA95}" type="datetimeFigureOut">
               <a:rPr lang="en-IN" smtClean="0"/>
-              <a:t>23-06-2025</a:t>
+              <a:t>27-06-2025</a:t>
             </a:fld>
             <a:endParaRPr lang="en-IN"/>
           </a:p>
@@ -1143,7 +1148,7 @@
           <a:p>
             <a:fld id="{A1F6E844-9F4F-4C61-95AE-07DCC711DA95}" type="datetimeFigureOut">
               <a:rPr lang="en-IN" smtClean="0"/>
-              <a:t>23-06-2025</a:t>
+              <a:t>27-06-2025</a:t>
             </a:fld>
             <a:endParaRPr lang="en-IN"/>
           </a:p>
@@ -1411,7 +1416,7 @@
           <a:p>
             <a:fld id="{A1F6E844-9F4F-4C61-95AE-07DCC711DA95}" type="datetimeFigureOut">
               <a:rPr lang="en-IN" smtClean="0"/>
-              <a:t>23-06-2025</a:t>
+              <a:t>27-06-2025</a:t>
             </a:fld>
             <a:endParaRPr lang="en-IN"/>
           </a:p>
@@ -1826,7 +1831,7 @@
           <a:p>
             <a:fld id="{A1F6E844-9F4F-4C61-95AE-07DCC711DA95}" type="datetimeFigureOut">
               <a:rPr lang="en-IN" smtClean="0"/>
-              <a:t>23-06-2025</a:t>
+              <a:t>27-06-2025</a:t>
             </a:fld>
             <a:endParaRPr lang="en-IN"/>
           </a:p>
@@ -1968,7 +1973,7 @@
           <a:p>
             <a:fld id="{A1F6E844-9F4F-4C61-95AE-07DCC711DA95}" type="datetimeFigureOut">
               <a:rPr lang="en-IN" smtClean="0"/>
-              <a:t>23-06-2025</a:t>
+              <a:t>27-06-2025</a:t>
             </a:fld>
             <a:endParaRPr lang="en-IN"/>
           </a:p>
@@ -2081,7 +2086,7 @@
           <a:p>
             <a:fld id="{A1F6E844-9F4F-4C61-95AE-07DCC711DA95}" type="datetimeFigureOut">
               <a:rPr lang="en-IN" smtClean="0"/>
-              <a:t>23-06-2025</a:t>
+              <a:t>27-06-2025</a:t>
             </a:fld>
             <a:endParaRPr lang="en-IN"/>
           </a:p>
@@ -2394,7 +2399,7 @@
           <a:p>
             <a:fld id="{A1F6E844-9F4F-4C61-95AE-07DCC711DA95}" type="datetimeFigureOut">
               <a:rPr lang="en-IN" smtClean="0"/>
-              <a:t>23-06-2025</a:t>
+              <a:t>27-06-2025</a:t>
             </a:fld>
             <a:endParaRPr lang="en-IN"/>
           </a:p>
@@ -2683,7 +2688,7 @@
           <a:p>
             <a:fld id="{A1F6E844-9F4F-4C61-95AE-07DCC711DA95}" type="datetimeFigureOut">
               <a:rPr lang="en-IN" smtClean="0"/>
-              <a:t>23-06-2025</a:t>
+              <a:t>27-06-2025</a:t>
             </a:fld>
             <a:endParaRPr lang="en-IN"/>
           </a:p>
@@ -2926,7 +2931,7 @@
           <a:p>
             <a:fld id="{A1F6E844-9F4F-4C61-95AE-07DCC711DA95}" type="datetimeFigureOut">
               <a:rPr lang="en-IN" smtClean="0"/>
-              <a:t>23-06-2025</a:t>
+              <a:t>27-06-2025</a:t>
             </a:fld>
             <a:endParaRPr lang="en-IN"/>
           </a:p>
@@ -3721,7 +3726,7 @@
         </p:nvSpPr>
         <p:spPr>
           <a:xfrm>
-            <a:off x="8332237" y="793102"/>
+            <a:off x="8304246" y="765109"/>
             <a:ext cx="3442996" cy="345233"/>
           </a:xfrm>
           <a:prstGeom prst="rect">
